--- a/sample.pptx
+++ b/sample.pptx
@@ -1,6 +1,6 @@
 
 <file path=ppt/presentation.xml><?xml version="1.0" encoding="utf-8"?>
-<p:presentation xmlns:a="http://schemas.openxmlformats.org/drawingml/2006/main" xmlns:r="http://schemas.openxmlformats.org/officeDocument/2006/relationships" xmlns:p="http://schemas.openxmlformats.org/presentationml/2006/main" embedTrueTypeFonts="1">
+<p:presentation xmlns:a="http://schemas.openxmlformats.org/drawingml/2006/main" xmlns:r="http://schemas.openxmlformats.org/officeDocument/2006/relationships" xmlns:p="http://schemas.openxmlformats.org/presentationml/2006/main">
   <p:sldMasterIdLst>
     <p:sldMasterId id="2147483648" r:id="rId1"/>
   </p:sldMasterIdLst>
@@ -9,36 +9,6 @@
   </p:sldIdLst>
   <p:sldSz cx="9144000" cy="6858000" type="screen4x3"/>
   <p:notesSz cx="6858000" cy="9144000"/>
-  <p:embeddedFontLst>
-    <p:embeddedFont>
-      <p:font typeface="msg CI Signal" panose="020B0503030403020204" pitchFamily="34" charset="0"/>
-      <p:regular r:id="rId3"/>
-      <p:bold r:id="rId4"/>
-      <p:italic r:id="rId5"/>
-      <p:boldItalic r:id="rId6"/>
-    </p:embeddedFont>
-    <p:embeddedFont>
-      <p:font typeface="msg CI Text" panose="020B0503030403020204" pitchFamily="34" charset="0"/>
-      <p:regular r:id="rId7"/>
-      <p:bold r:id="rId8"/>
-      <p:italic r:id="rId9"/>
-      <p:boldItalic r:id="rId10"/>
-    </p:embeddedFont>
-    <p:embeddedFont>
-      <p:font typeface="msg CS Code" panose="020B0509030403020204" pitchFamily="49" charset="0"/>
-      <p:regular r:id="rId11"/>
-      <p:bold r:id="rId12"/>
-      <p:italic r:id="rId13"/>
-      <p:boldItalic r:id="rId14"/>
-    </p:embeddedFont>
-    <p:embeddedFont>
-      <p:font typeface="msg CS Note" panose="02000500000000000000" pitchFamily="2" charset="77"/>
-      <p:regular r:id="rId15"/>
-      <p:bold r:id="rId16"/>
-      <p:italic r:id="rId17"/>
-      <p:boldItalic r:id="rId18"/>
-    </p:embeddedFont>
-  </p:embeddedFontLst>
   <p:defaultTextStyle>
     <a:defPPr>
       <a:defRPr lang="de-DE"/>
@@ -2760,7 +2730,7 @@
                     <a:tint val="75000"/>
                   </a:schemeClr>
                 </a:solidFill>
-                <a:latin typeface="msg CI Text" panose="020B0503030403020204" pitchFamily="34" charset="0"/>
+                <a:latin typeface="Arial" panose="020B0503030403020204" pitchFamily="34" charset="0"/>
               </a:defRPr>
             </a:lvl1pPr>
           </a:lstStyle>
@@ -2803,7 +2773,7 @@
                     <a:tint val="75000"/>
                   </a:schemeClr>
                 </a:solidFill>
-                <a:latin typeface="msg CI Text" panose="020B0503030403020204" pitchFamily="34" charset="0"/>
+                <a:latin typeface="Arial" panose="020B0503030403020204" pitchFamily="34" charset="0"/>
               </a:defRPr>
             </a:lvl1pPr>
           </a:lstStyle>
@@ -2841,7 +2811,7 @@
                     <a:tint val="75000"/>
                   </a:schemeClr>
                 </a:solidFill>
-                <a:latin typeface="msg CI Text" panose="020B0503030403020204" pitchFamily="34" charset="0"/>
+                <a:latin typeface="Arial" panose="020B0503030403020204" pitchFamily="34" charset="0"/>
               </a:defRPr>
             </a:lvl1pPr>
           </a:lstStyle>
@@ -2887,7 +2857,7 @@
           <a:solidFill>
             <a:schemeClr val="tx1"/>
           </a:solidFill>
-          <a:latin typeface="msg CI Text" panose="020B0503030403020204" pitchFamily="34" charset="0"/>
+          <a:latin typeface="Arial" panose="020B0503030403020204" pitchFamily="34" charset="0"/>
           <a:ea typeface="+mj-ea"/>
           <a:cs typeface="+mj-cs"/>
         </a:defRPr>
@@ -2904,7 +2874,7 @@
           <a:solidFill>
             <a:schemeClr val="tx1"/>
           </a:solidFill>
-          <a:latin typeface="msg CI Text" panose="020B0503030403020204" pitchFamily="34" charset="0"/>
+          <a:latin typeface="Arial" panose="020B0503030403020204" pitchFamily="34" charset="0"/>
           <a:ea typeface="+mn-ea"/>
           <a:cs typeface="+mn-cs"/>
         </a:defRPr>
@@ -2919,7 +2889,7 @@
           <a:solidFill>
             <a:schemeClr val="tx1"/>
           </a:solidFill>
-          <a:latin typeface="msg CI Text" panose="020B0503030403020204" pitchFamily="34" charset="0"/>
+          <a:latin typeface="Arial" panose="020B0503030403020204" pitchFamily="34" charset="0"/>
           <a:ea typeface="+mn-ea"/>
           <a:cs typeface="+mn-cs"/>
         </a:defRPr>
@@ -2934,7 +2904,7 @@
           <a:solidFill>
             <a:schemeClr val="tx1"/>
           </a:solidFill>
-          <a:latin typeface="msg CI Text" panose="020B0503030403020204" pitchFamily="34" charset="0"/>
+          <a:latin typeface="Arial" panose="020B0503030403020204" pitchFamily="34" charset="0"/>
           <a:ea typeface="+mn-ea"/>
           <a:cs typeface="+mn-cs"/>
         </a:defRPr>
@@ -2949,7 +2919,7 @@
           <a:solidFill>
             <a:schemeClr val="tx1"/>
           </a:solidFill>
-          <a:latin typeface="msg CI Text" panose="020B0503030403020204" pitchFamily="34" charset="0"/>
+          <a:latin typeface="Arial" panose="020B0503030403020204" pitchFamily="34" charset="0"/>
           <a:ea typeface="+mn-ea"/>
           <a:cs typeface="+mn-cs"/>
         </a:defRPr>
@@ -2964,7 +2934,7 @@
           <a:solidFill>
             <a:schemeClr val="tx1"/>
           </a:solidFill>
-          <a:latin typeface="msg CI Text" panose="020B0503030403020204" pitchFamily="34" charset="0"/>
+          <a:latin typeface="Arial" panose="020B0503030403020204" pitchFamily="34" charset="0"/>
           <a:ea typeface="+mn-ea"/>
           <a:cs typeface="+mn-cs"/>
         </a:defRPr>
@@ -3198,7 +3168,7 @@
           <a:p>
             <a:pPr algn="ctr"/>
             <a:endParaRPr lang="en-US" dirty="0">
-              <a:latin typeface="msg CI Text" panose="020B0503030403020204" pitchFamily="34" charset="0"/>
+              <a:latin typeface="Arial" panose="020B0503030403020204" pitchFamily="34" charset="0"/>
             </a:endParaRPr>
           </a:p>
         </p:txBody>
@@ -3254,7 +3224,7 @@
           <a:p>
             <a:pPr algn="ctr"/>
             <a:endParaRPr lang="en-US" dirty="0">
-              <a:latin typeface="msg CI Text" panose="020B0503030403020204" pitchFamily="34" charset="0"/>
+              <a:latin typeface="Arial" panose="020B0503030403020204" pitchFamily="34" charset="0"/>
             </a:endParaRPr>
           </a:p>
         </p:txBody>
@@ -3883,53 +3853,53 @@
             </a:pPr>
             <a:r>
               <a:rPr lang="en-US" sz="1700" dirty="0">
-                <a:latin typeface="msg CI Text" panose="020B0503030403020204" pitchFamily="34" charset="0"/>
+                <a:latin typeface="Arial" panose="020B0503030403020204" pitchFamily="34" charset="0"/>
                 <a:ea typeface="msg Text" panose="020B0503030403020204" pitchFamily="34" charset="0"/>
               </a:rPr>
               <a:t>msg CI Text</a:t>
             </a:r>
             <a:br>
               <a:rPr lang="en-US" sz="1700" dirty="0">
-                <a:latin typeface="msg CI Text" panose="020B0503030403020204" pitchFamily="34" charset="0"/>
+                <a:latin typeface="Arial" panose="020B0503030403020204" pitchFamily="34" charset="0"/>
                 <a:ea typeface="msg Text" panose="020B0503030403020204" pitchFamily="34" charset="0"/>
               </a:rPr>
             </a:br>
             <a:r>
               <a:rPr lang="en-US" sz="1700" dirty="0">
-                <a:latin typeface="msg CI Text" panose="020B0503030403020204" pitchFamily="34" charset="0"/>
+                <a:latin typeface="Arial" panose="020B0503030403020204" pitchFamily="34" charset="0"/>
                 <a:ea typeface="msg Text" panose="020B0503030403020204" pitchFamily="34" charset="0"/>
               </a:rPr>
               <a:t>Normal Regular	   </a:t>
             </a:r>
             <a:r>
               <a:rPr lang="en-US" sz="1700" i="1" dirty="0">
-                <a:latin typeface="msg CI Text" panose="020B0503030403020204" pitchFamily="34" charset="0"/>
+                <a:latin typeface="Arial" panose="020B0503030403020204" pitchFamily="34" charset="0"/>
                 <a:ea typeface="msg Text" panose="020B0503030403020204" pitchFamily="34" charset="0"/>
               </a:rPr>
               <a:t>Normal Italic</a:t>
             </a:r>
             <a:br>
               <a:rPr lang="en-US" sz="1700" dirty="0">
-                <a:latin typeface="msg CI Text" panose="020B0503030403020204" pitchFamily="34" charset="0"/>
+                <a:latin typeface="Arial" panose="020B0503030403020204" pitchFamily="34" charset="0"/>
                 <a:ea typeface="msg Text" panose="020B0503030403020204" pitchFamily="34" charset="0"/>
               </a:rPr>
             </a:br>
             <a:r>
               <a:rPr lang="en-US" sz="1700" b="1" dirty="0">
-                <a:latin typeface="msg CI Text" panose="020B0503030403020204" pitchFamily="34" charset="0"/>
+                <a:latin typeface="Arial" panose="020B0503030403020204" pitchFamily="34" charset="0"/>
                 <a:ea typeface="msg Text" panose="020B0503030403020204" pitchFamily="34" charset="0"/>
               </a:rPr>
               <a:t>Bold Regular	   </a:t>
             </a:r>
             <a:r>
               <a:rPr lang="en-US" sz="1700" b="1" i="1" dirty="0">
-                <a:latin typeface="msg CI Text" panose="020B0503030403020204" pitchFamily="34" charset="0"/>
+                <a:latin typeface="Arial" panose="020B0503030403020204" pitchFamily="34" charset="0"/>
                 <a:ea typeface="msg Text" panose="020B0503030403020204" pitchFamily="34" charset="0"/>
               </a:rPr>
               <a:t>Bold Italic</a:t>
             </a:r>
             <a:endParaRPr lang="en-US" sz="1700" b="1" i="1" dirty="0">
-              <a:latin typeface="msg CI Text" panose="020B0503030403020204" pitchFamily="34" charset="0"/>
+              <a:latin typeface="Arial" panose="020B0503030403020204" pitchFamily="34" charset="0"/>
               <a:ea typeface="msg Code" panose="020B0509030804020204" pitchFamily="49" charset="0"/>
               <a:cs typeface="msg Note" panose="02000500000000000000" pitchFamily="2" charset="0"/>
             </a:endParaRPr>
@@ -4335,7 +4305,7 @@
                     <a:lumMod val="85000"/>
                   </a:schemeClr>
                 </a:solidFill>
-                <a:latin typeface="msg CI Text" panose="020B0503030403020204" pitchFamily="34" charset="0"/>
+                <a:latin typeface="Arial" panose="020B0503030403020204" pitchFamily="34" charset="0"/>
                 <a:ea typeface="msg Text" panose="020B0503030403020204" pitchFamily="34" charset="0"/>
               </a:rPr>
               <a:t>Professional Typography</a:t>
@@ -4345,7 +4315,7 @@
                 <a:solidFill>
                   <a:schemeClr val="bg1"/>
                 </a:solidFill>
-                <a:latin typeface="msg CI Text" panose="020B0503030403020204" pitchFamily="34" charset="0"/>
+                <a:latin typeface="Arial" panose="020B0503030403020204" pitchFamily="34" charset="0"/>
                 <a:ea typeface="msg Text" panose="020B0503030403020204" pitchFamily="34" charset="0"/>
               </a:rPr>
             </a:br>
@@ -4546,7 +4516,7 @@
                     <a:lumOff val="35000"/>
                   </a:schemeClr>
                 </a:solidFill>
-                <a:latin typeface="msg CI Text" panose="020B0503030403020204" pitchFamily="34" charset="0"/>
+                <a:latin typeface="Arial" panose="020B0503030403020204" pitchFamily="34" charset="0"/>
                 <a:ea typeface="msg Text" panose="020B0503030403020204" pitchFamily="34" charset="0"/>
               </a:rPr>
               <a:t>Derived from Adobe Source Sans Pro.</a:t>
@@ -4559,7 +4529,7 @@
                     <a:lumOff val="35000"/>
                   </a:schemeClr>
                 </a:solidFill>
-                <a:latin typeface="msg CI Text" panose="020B0503030403020204" pitchFamily="34" charset="0"/>
+                <a:latin typeface="Arial" panose="020B0503030403020204" pitchFamily="34" charset="0"/>
                 <a:ea typeface="msg Text" panose="020B0503030403020204" pitchFamily="34" charset="0"/>
               </a:rPr>
             </a:br>
@@ -4571,7 +4541,7 @@
                     <a:lumOff val="35000"/>
                   </a:schemeClr>
                 </a:solidFill>
-                <a:latin typeface="msg CI Text" panose="020B0503030403020204" pitchFamily="34" charset="0"/>
+                <a:latin typeface="Arial" panose="020B0503030403020204" pitchFamily="34" charset="0"/>
                 <a:ea typeface="msg Text" panose="020B0503030403020204" pitchFamily="34" charset="0"/>
               </a:rPr>
               <a:t>Belongs to the msg Corporate Identity (CI) set. </a:t>
@@ -4584,7 +4554,7 @@
                     <a:lumOff val="35000"/>
                   </a:schemeClr>
                 </a:solidFill>
-                <a:latin typeface="msg CI Text" panose="020B0503030403020204" pitchFamily="34" charset="0"/>
+                <a:latin typeface="Arial" panose="020B0503030403020204" pitchFamily="34" charset="0"/>
                 <a:ea typeface="msg Text" panose="020B0503030403020204" pitchFamily="34" charset="0"/>
               </a:rPr>
             </a:br>
@@ -4596,7 +4566,7 @@
                     <a:lumOff val="35000"/>
                   </a:schemeClr>
                 </a:solidFill>
-                <a:latin typeface="msg CI Text" panose="020B0503030403020204" pitchFamily="34" charset="0"/>
+                <a:latin typeface="Arial" panose="020B0503030403020204" pitchFamily="34" charset="0"/>
                 <a:ea typeface="msg Text" panose="020B0503030403020204" pitchFamily="34" charset="0"/>
               </a:rPr>
               <a:t>For signal and call-out text.</a:t>
@@ -4609,7 +4579,7 @@
                     <a:lumOff val="35000"/>
                   </a:schemeClr>
                 </a:solidFill>
-                <a:latin typeface="msg CI Text" panose="020B0503030403020204" pitchFamily="34" charset="0"/>
+                <a:latin typeface="Arial" panose="020B0503030403020204" pitchFamily="34" charset="0"/>
                 <a:ea typeface="msg Text" panose="020B0503030403020204" pitchFamily="34" charset="0"/>
               </a:rPr>
             </a:br>
@@ -4621,7 +4591,7 @@
                     <a:lumOff val="35000"/>
                   </a:schemeClr>
                 </a:solidFill>
-                <a:latin typeface="msg CI Text" panose="020B0503030403020204" pitchFamily="34" charset="0"/>
+                <a:latin typeface="Arial" panose="020B0503030403020204" pitchFamily="34" charset="0"/>
                 <a:ea typeface="msg Text" panose="020B0503030403020204" pitchFamily="34" charset="0"/>
               </a:rPr>
               <a:t>(all regular use)</a:t>
@@ -4633,7 +4603,7 @@
                   <a:lumOff val="35000"/>
                 </a:schemeClr>
               </a:solidFill>
-              <a:latin typeface="msg CI Text" panose="020B0503030403020204" pitchFamily="34" charset="0"/>
+              <a:latin typeface="Arial" panose="020B0503030403020204" pitchFamily="34" charset="0"/>
               <a:ea typeface="msg Code" panose="020B0509030804020204" pitchFamily="49" charset="0"/>
             </a:endParaRPr>
           </a:p>
@@ -4815,7 +4785,7 @@
                     <a:lumOff val="35000"/>
                   </a:schemeClr>
                 </a:solidFill>
-                <a:latin typeface="msg CI Text" panose="020B0503030403020204" pitchFamily="34" charset="0"/>
+                <a:latin typeface="Arial" panose="020B0503030403020204" pitchFamily="34" charset="0"/>
                 <a:ea typeface="msg Text" panose="020B0503030403020204" pitchFamily="34" charset="0"/>
               </a:rPr>
               <a:t>Derived from Adobe Source Sans Pro.</a:t>
@@ -4828,7 +4798,7 @@
                     <a:lumOff val="35000"/>
                   </a:schemeClr>
                 </a:solidFill>
-                <a:latin typeface="msg CI Text" panose="020B0503030403020204" pitchFamily="34" charset="0"/>
+                <a:latin typeface="Arial" panose="020B0503030403020204" pitchFamily="34" charset="0"/>
                 <a:ea typeface="msg Text" panose="020B0503030403020204" pitchFamily="34" charset="0"/>
               </a:rPr>
             </a:br>
@@ -4840,7 +4810,7 @@
                     <a:lumOff val="35000"/>
                   </a:schemeClr>
                 </a:solidFill>
-                <a:latin typeface="msg CI Text" panose="020B0503030403020204" pitchFamily="34" charset="0"/>
+                <a:latin typeface="Arial" panose="020B0503030403020204" pitchFamily="34" charset="0"/>
                 <a:ea typeface="msg Text" panose="020B0503030403020204" pitchFamily="34" charset="0"/>
               </a:rPr>
               <a:t>Belongs to the msg Corporate Identity (CI) set.</a:t>
@@ -4858,7 +4828,7 @@
                     <a:lumOff val="35000"/>
                   </a:schemeClr>
                 </a:solidFill>
-                <a:latin typeface="msg CI Text" panose="020B0503030403020204" pitchFamily="34" charset="0"/>
+                <a:latin typeface="Arial" panose="020B0503030403020204" pitchFamily="34" charset="0"/>
                 <a:ea typeface="msg Text" panose="020B0503030403020204" pitchFamily="34" charset="0"/>
               </a:rPr>
               <a:t>For regular body and headline text.</a:t>
@@ -4871,7 +4841,7 @@
                     <a:lumOff val="35000"/>
                   </a:schemeClr>
                 </a:solidFill>
-                <a:latin typeface="msg CI Text" panose="020B0503030403020204" pitchFamily="34" charset="0"/>
+                <a:latin typeface="Arial" panose="020B0503030403020204" pitchFamily="34" charset="0"/>
                 <a:ea typeface="msg Text" panose="020B0503030403020204" pitchFamily="34" charset="0"/>
               </a:rPr>
             </a:br>
@@ -4883,7 +4853,7 @@
                     <a:lumOff val="35000"/>
                   </a:schemeClr>
                 </a:solidFill>
-                <a:latin typeface="msg CI Text" panose="020B0503030403020204" pitchFamily="34" charset="0"/>
+                <a:latin typeface="Arial" panose="020B0503030403020204" pitchFamily="34" charset="0"/>
                 <a:ea typeface="msg Text" panose="020B0503030403020204" pitchFamily="34" charset="0"/>
               </a:rPr>
               <a:t>(all regular use)</a:t>
@@ -4895,7 +4865,7 @@
                   <a:lumOff val="35000"/>
                 </a:schemeClr>
               </a:solidFill>
-              <a:latin typeface="msg CI Text" panose="020B0503030403020204" pitchFamily="34" charset="0"/>
+              <a:latin typeface="Arial" panose="020B0503030403020204" pitchFamily="34" charset="0"/>
               <a:ea typeface="msg Code" panose="020B0509030804020204" pitchFamily="49" charset="0"/>
               <a:cs typeface="msg Note" panose="02000500000000000000" pitchFamily="2" charset="0"/>
             </a:endParaRPr>
@@ -5078,7 +5048,7 @@
                     <a:lumOff val="35000"/>
                   </a:schemeClr>
                 </a:solidFill>
-                <a:latin typeface="msg CI Text" panose="020B0503030403020204" pitchFamily="34" charset="0"/>
+                <a:latin typeface="Arial" panose="020B0503030403020204" pitchFamily="34" charset="0"/>
                 <a:ea typeface="msg Text" panose="020B0503030403020204" pitchFamily="34" charset="0"/>
               </a:rPr>
               <a:t>Derived from Adobe Source Code Pro.</a:t>
@@ -5091,7 +5061,7 @@
                     <a:lumOff val="35000"/>
                   </a:schemeClr>
                 </a:solidFill>
-                <a:latin typeface="msg CI Text" panose="020B0503030403020204" pitchFamily="34" charset="0"/>
+                <a:latin typeface="Arial" panose="020B0503030403020204" pitchFamily="34" charset="0"/>
                 <a:ea typeface="msg Text" panose="020B0503030403020204" pitchFamily="34" charset="0"/>
               </a:rPr>
             </a:br>
@@ -5103,7 +5073,7 @@
                     <a:lumOff val="35000"/>
                   </a:schemeClr>
                 </a:solidFill>
-                <a:latin typeface="msg CI Text" panose="020B0503030403020204" pitchFamily="34" charset="0"/>
+                <a:latin typeface="Arial" panose="020B0503030403020204" pitchFamily="34" charset="0"/>
                 <a:ea typeface="msg Text" panose="020B0503030403020204" pitchFamily="34" charset="0"/>
               </a:rPr>
               <a:t>Belongs to the msg Corporate Specialty (CS) set.</a:t>
@@ -5116,7 +5086,7 @@
                     <a:lumOff val="35000"/>
                   </a:schemeClr>
                 </a:solidFill>
-                <a:latin typeface="msg CI Text" panose="020B0503030403020204" pitchFamily="34" charset="0"/>
+                <a:latin typeface="Arial" panose="020B0503030403020204" pitchFamily="34" charset="0"/>
                 <a:ea typeface="msg Text" panose="020B0503030403020204" pitchFamily="34" charset="0"/>
               </a:rPr>
             </a:br>
@@ -5128,7 +5098,7 @@
                     <a:lumOff val="35000"/>
                   </a:schemeClr>
                 </a:solidFill>
-                <a:latin typeface="msg CI Text" panose="020B0503030403020204" pitchFamily="34" charset="0"/>
+                <a:latin typeface="Arial" panose="020B0503030403020204" pitchFamily="34" charset="0"/>
                 <a:ea typeface="msg Text" panose="020B0503030403020204" pitchFamily="34" charset="0"/>
               </a:rPr>
               <a:t>For mono-spaced and source-code text </a:t>
@@ -5141,7 +5111,7 @@
                     <a:lumOff val="35000"/>
                   </a:schemeClr>
                 </a:solidFill>
-                <a:latin typeface="msg CI Text" panose="020B0503030403020204" pitchFamily="34" charset="0"/>
+                <a:latin typeface="Arial" panose="020B0503030403020204" pitchFamily="34" charset="0"/>
                 <a:ea typeface="msg Text" panose="020B0503030403020204" pitchFamily="34" charset="0"/>
               </a:rPr>
               <a:t>only</a:t>
@@ -5154,7 +5124,7 @@
                     <a:lumOff val="35000"/>
                   </a:schemeClr>
                 </a:solidFill>
-                <a:latin typeface="msg CI Text" panose="020B0503030403020204" pitchFamily="34" charset="0"/>
+                <a:latin typeface="Arial" panose="020B0503030403020204" pitchFamily="34" charset="0"/>
                 <a:ea typeface="msg Text" panose="020B0503030403020204" pitchFamily="34" charset="0"/>
               </a:rPr>
               <a:t>.</a:t>
@@ -5167,7 +5137,7 @@
                     <a:lumOff val="35000"/>
                   </a:schemeClr>
                 </a:solidFill>
-                <a:latin typeface="msg CI Text" panose="020B0503030403020204" pitchFamily="34" charset="0"/>
+                <a:latin typeface="Arial" panose="020B0503030403020204" pitchFamily="34" charset="0"/>
                 <a:ea typeface="msg Text" panose="020B0503030403020204" pitchFamily="34" charset="0"/>
               </a:rPr>
             </a:br>
@@ -5179,7 +5149,7 @@
                     <a:lumOff val="35000"/>
                   </a:schemeClr>
                 </a:solidFill>
-                <a:latin typeface="msg CI Text" panose="020B0503030403020204" pitchFamily="34" charset="0"/>
+                <a:latin typeface="Arial" panose="020B0503030403020204" pitchFamily="34" charset="0"/>
                 <a:ea typeface="msg Text" panose="020B0503030403020204" pitchFamily="34" charset="0"/>
               </a:rPr>
               <a:t>(exceptional and very spare use </a:t>
@@ -5192,7 +5162,7 @@
                     <a:lumOff val="35000"/>
                   </a:schemeClr>
                 </a:solidFill>
-                <a:latin typeface="msg CI Text" panose="020B0503030403020204" pitchFamily="34" charset="0"/>
+                <a:latin typeface="Arial" panose="020B0503030403020204" pitchFamily="34" charset="0"/>
                 <a:ea typeface="msg Text" panose="020B0503030403020204" pitchFamily="34" charset="0"/>
               </a:rPr>
               <a:t>only</a:t>
@@ -5205,7 +5175,7 @@
                     <a:lumOff val="35000"/>
                   </a:schemeClr>
                 </a:solidFill>
-                <a:latin typeface="msg CI Text" panose="020B0503030403020204" pitchFamily="34" charset="0"/>
+                <a:latin typeface="Arial" panose="020B0503030403020204" pitchFamily="34" charset="0"/>
                 <a:ea typeface="msg Text" panose="020B0503030403020204" pitchFamily="34" charset="0"/>
               </a:rPr>
               <a:t>)</a:t>
@@ -5217,7 +5187,7 @@
                   <a:lumOff val="35000"/>
                 </a:schemeClr>
               </a:solidFill>
-              <a:latin typeface="msg CI Text" panose="020B0503030403020204" pitchFamily="34" charset="0"/>
+              <a:latin typeface="Arial" panose="020B0503030403020204" pitchFamily="34" charset="0"/>
               <a:ea typeface="msg Code" panose="020B0509030804020204" pitchFamily="49" charset="0"/>
               <a:cs typeface="msg Note" panose="02000500000000000000" pitchFamily="2" charset="0"/>
             </a:endParaRPr>
@@ -5400,7 +5370,7 @@
                     <a:lumOff val="35000"/>
                   </a:schemeClr>
                 </a:solidFill>
-                <a:latin typeface="msg CI Text" panose="020B0503030403020204" pitchFamily="34" charset="0"/>
+                <a:latin typeface="Arial" panose="020B0503030403020204" pitchFamily="34" charset="0"/>
                 <a:ea typeface="msg Text" panose="020B0503030403020204" pitchFamily="34" charset="0"/>
               </a:rPr>
               <a:t>Derived from ITF Kalam.</a:t>
@@ -5413,7 +5383,7 @@
                     <a:lumOff val="35000"/>
                   </a:schemeClr>
                 </a:solidFill>
-                <a:latin typeface="msg CI Text" panose="020B0503030403020204" pitchFamily="34" charset="0"/>
+                <a:latin typeface="Arial" panose="020B0503030403020204" pitchFamily="34" charset="0"/>
                 <a:ea typeface="msg Text" panose="020B0503030403020204" pitchFamily="34" charset="0"/>
               </a:rPr>
             </a:br>
@@ -5425,7 +5395,7 @@
                     <a:lumOff val="35000"/>
                   </a:schemeClr>
                 </a:solidFill>
-                <a:latin typeface="msg CI Text" panose="020B0503030403020204" pitchFamily="34" charset="0"/>
+                <a:latin typeface="Arial" panose="020B0503030403020204" pitchFamily="34" charset="0"/>
                 <a:ea typeface="msg Text" panose="020B0503030403020204" pitchFamily="34" charset="0"/>
               </a:rPr>
               <a:t>Belongs to the msg Corporate Specialty (CS) set.</a:t>
@@ -5438,7 +5408,7 @@
                     <a:lumOff val="35000"/>
                   </a:schemeClr>
                 </a:solidFill>
-                <a:latin typeface="msg CI Text" panose="020B0503030403020204" pitchFamily="34" charset="0"/>
+                <a:latin typeface="Arial" panose="020B0503030403020204" pitchFamily="34" charset="0"/>
                 <a:ea typeface="msg Text" panose="020B0503030403020204" pitchFamily="34" charset="0"/>
               </a:rPr>
             </a:br>
@@ -5450,7 +5420,7 @@
                     <a:lumOff val="35000"/>
                   </a:schemeClr>
                 </a:solidFill>
-                <a:latin typeface="msg CI Text" panose="020B0503030403020204" pitchFamily="34" charset="0"/>
+                <a:latin typeface="Arial" panose="020B0503030403020204" pitchFamily="34" charset="0"/>
                 <a:ea typeface="msg Text" panose="020B0503030403020204" pitchFamily="34" charset="0"/>
               </a:rPr>
               <a:t>For scripted and annotated text </a:t>
@@ -5463,7 +5433,7 @@
                     <a:lumOff val="35000"/>
                   </a:schemeClr>
                 </a:solidFill>
-                <a:latin typeface="msg CI Text" panose="020B0503030403020204" pitchFamily="34" charset="0"/>
+                <a:latin typeface="Arial" panose="020B0503030403020204" pitchFamily="34" charset="0"/>
                 <a:ea typeface="msg Text" panose="020B0503030403020204" pitchFamily="34" charset="0"/>
               </a:rPr>
               <a:t>only</a:t>
@@ -5476,7 +5446,7 @@
                     <a:lumOff val="35000"/>
                   </a:schemeClr>
                 </a:solidFill>
-                <a:latin typeface="msg CI Text" panose="020B0503030403020204" pitchFamily="34" charset="0"/>
+                <a:latin typeface="Arial" panose="020B0503030403020204" pitchFamily="34" charset="0"/>
                 <a:ea typeface="msg Text" panose="020B0503030403020204" pitchFamily="34" charset="0"/>
               </a:rPr>
               <a:t>.</a:t>
@@ -5489,7 +5459,7 @@
                     <a:lumOff val="35000"/>
                   </a:schemeClr>
                 </a:solidFill>
-                <a:latin typeface="msg CI Text" panose="020B0503030403020204" pitchFamily="34" charset="0"/>
+                <a:latin typeface="Arial" panose="020B0503030403020204" pitchFamily="34" charset="0"/>
                 <a:ea typeface="msg Text" panose="020B0503030403020204" pitchFamily="34" charset="0"/>
               </a:rPr>
             </a:br>
@@ -5501,7 +5471,7 @@
                     <a:lumOff val="35000"/>
                   </a:schemeClr>
                 </a:solidFill>
-                <a:latin typeface="msg CI Text" panose="020B0503030403020204" pitchFamily="34" charset="0"/>
+                <a:latin typeface="Arial" panose="020B0503030403020204" pitchFamily="34" charset="0"/>
                 <a:ea typeface="msg Text" panose="020B0503030403020204" pitchFamily="34" charset="0"/>
               </a:rPr>
               <a:t>(exceptional and very spare use </a:t>
@@ -5514,7 +5484,7 @@
                     <a:lumOff val="35000"/>
                   </a:schemeClr>
                 </a:solidFill>
-                <a:latin typeface="msg CI Text" panose="020B0503030403020204" pitchFamily="34" charset="0"/>
+                <a:latin typeface="Arial" panose="020B0503030403020204" pitchFamily="34" charset="0"/>
                 <a:ea typeface="msg Text" panose="020B0503030403020204" pitchFamily="34" charset="0"/>
               </a:rPr>
               <a:t>only</a:t>
@@ -5527,7 +5497,7 @@
                     <a:lumOff val="35000"/>
                   </a:schemeClr>
                 </a:solidFill>
-                <a:latin typeface="msg CI Text" panose="020B0503030403020204" pitchFamily="34" charset="0"/>
+                <a:latin typeface="Arial" panose="020B0503030403020204" pitchFamily="34" charset="0"/>
                 <a:ea typeface="msg Text" panose="020B0503030403020204" pitchFamily="34" charset="0"/>
               </a:rPr>
               <a:t>)</a:t>
@@ -5539,7 +5509,7 @@
                   <a:lumOff val="35000"/>
                 </a:schemeClr>
               </a:solidFill>
-              <a:latin typeface="msg CI Text" panose="020B0503030403020204" pitchFamily="34" charset="0"/>
+              <a:latin typeface="Arial" panose="020B0503030403020204" pitchFamily="34" charset="0"/>
               <a:ea typeface="msg Code" panose="020B0509030804020204" pitchFamily="49" charset="0"/>
               <a:cs typeface="msg Note" panose="02000500000000000000" pitchFamily="2" charset="0"/>
             </a:endParaRPr>

--- a/sample.pptx
+++ b/sample.pptx
@@ -1,6 +1,6 @@
 
 <file path=ppt/presentation.xml><?xml version="1.0" encoding="utf-8"?>
-<p:presentation xmlns:a="http://schemas.openxmlformats.org/drawingml/2006/main" xmlns:r="http://schemas.openxmlformats.org/officeDocument/2006/relationships" xmlns:p="http://schemas.openxmlformats.org/presentationml/2006/main">
+<p:presentation xmlns:a="http://schemas.openxmlformats.org/drawingml/2006/main" xmlns:r="http://schemas.openxmlformats.org/officeDocument/2006/relationships" xmlns:p="http://schemas.openxmlformats.org/presentationml/2006/main" embedTrueTypeFonts="1">
   <p:sldMasterIdLst>
     <p:sldMasterId id="2147483648" r:id="rId1"/>
   </p:sldMasterIdLst>
@@ -9,6 +9,36 @@
   </p:sldIdLst>
   <p:sldSz cx="9144000" cy="6858000" type="screen4x3"/>
   <p:notesSz cx="6858000" cy="9144000"/>
+  <p:embeddedFontLst>
+    <p:embeddedFont>
+      <p:font typeface="msg CI Signal" panose="020B0503030403020204" pitchFamily="34" charset="0"/>
+      <p:regular r:id="rId3"/>
+      <p:bold r:id="rId4"/>
+      <p:italic r:id="rId5"/>
+      <p:boldItalic r:id="rId6"/>
+    </p:embeddedFont>
+    <p:embeddedFont>
+      <p:font typeface="msg CI Text" panose="020B0503030403020204" pitchFamily="34" charset="0"/>
+      <p:regular r:id="rId7"/>
+      <p:bold r:id="rId8"/>
+      <p:italic r:id="rId9"/>
+      <p:boldItalic r:id="rId10"/>
+    </p:embeddedFont>
+    <p:embeddedFont>
+      <p:font typeface="msg CS Code" panose="020B0509030403020204" pitchFamily="49" charset="0"/>
+      <p:regular r:id="rId11"/>
+      <p:bold r:id="rId12"/>
+      <p:italic r:id="rId13"/>
+      <p:boldItalic r:id="rId14"/>
+    </p:embeddedFont>
+    <p:embeddedFont>
+      <p:font typeface="msg CS Note" panose="02000500000000000000" pitchFamily="2" charset="77"/>
+      <p:regular r:id="rId15"/>
+      <p:bold r:id="rId16"/>
+      <p:italic r:id="rId17"/>
+      <p:boldItalic r:id="rId18"/>
+    </p:embeddedFont>
+  </p:embeddedFontLst>
   <p:defaultTextStyle>
     <a:defPPr>
       <a:defRPr lang="de-DE"/>
@@ -2730,7 +2760,7 @@
                     <a:tint val="75000"/>
                   </a:schemeClr>
                 </a:solidFill>
-                <a:latin typeface="Arial" panose="020B0503030403020204" pitchFamily="34" charset="0"/>
+                <a:latin typeface="msg CI Text" panose="020B0503030403020204" pitchFamily="34" charset="0"/>
               </a:defRPr>
             </a:lvl1pPr>
           </a:lstStyle>
@@ -2773,7 +2803,7 @@
                     <a:tint val="75000"/>
                   </a:schemeClr>
                 </a:solidFill>
-                <a:latin typeface="Arial" panose="020B0503030403020204" pitchFamily="34" charset="0"/>
+                <a:latin typeface="msg CI Text" panose="020B0503030403020204" pitchFamily="34" charset="0"/>
               </a:defRPr>
             </a:lvl1pPr>
           </a:lstStyle>
@@ -2811,7 +2841,7 @@
                     <a:tint val="75000"/>
                   </a:schemeClr>
                 </a:solidFill>
-                <a:latin typeface="Arial" panose="020B0503030403020204" pitchFamily="34" charset="0"/>
+                <a:latin typeface="msg CI Text" panose="020B0503030403020204" pitchFamily="34" charset="0"/>
               </a:defRPr>
             </a:lvl1pPr>
           </a:lstStyle>
@@ -2857,7 +2887,7 @@
           <a:solidFill>
             <a:schemeClr val="tx1"/>
           </a:solidFill>
-          <a:latin typeface="Arial" panose="020B0503030403020204" pitchFamily="34" charset="0"/>
+          <a:latin typeface="msg CI Text" panose="020B0503030403020204" pitchFamily="34" charset="0"/>
           <a:ea typeface="+mj-ea"/>
           <a:cs typeface="+mj-cs"/>
         </a:defRPr>
@@ -2874,7 +2904,7 @@
           <a:solidFill>
             <a:schemeClr val="tx1"/>
           </a:solidFill>
-          <a:latin typeface="Arial" panose="020B0503030403020204" pitchFamily="34" charset="0"/>
+          <a:latin typeface="msg CI Text" panose="020B0503030403020204" pitchFamily="34" charset="0"/>
           <a:ea typeface="+mn-ea"/>
           <a:cs typeface="+mn-cs"/>
         </a:defRPr>
@@ -2889,7 +2919,7 @@
           <a:solidFill>
             <a:schemeClr val="tx1"/>
           </a:solidFill>
-          <a:latin typeface="Arial" panose="020B0503030403020204" pitchFamily="34" charset="0"/>
+          <a:latin typeface="msg CI Text" panose="020B0503030403020204" pitchFamily="34" charset="0"/>
           <a:ea typeface="+mn-ea"/>
           <a:cs typeface="+mn-cs"/>
         </a:defRPr>
@@ -2904,7 +2934,7 @@
           <a:solidFill>
             <a:schemeClr val="tx1"/>
           </a:solidFill>
-          <a:latin typeface="Arial" panose="020B0503030403020204" pitchFamily="34" charset="0"/>
+          <a:latin typeface="msg CI Text" panose="020B0503030403020204" pitchFamily="34" charset="0"/>
           <a:ea typeface="+mn-ea"/>
           <a:cs typeface="+mn-cs"/>
         </a:defRPr>
@@ -2919,7 +2949,7 @@
           <a:solidFill>
             <a:schemeClr val="tx1"/>
           </a:solidFill>
-          <a:latin typeface="Arial" panose="020B0503030403020204" pitchFamily="34" charset="0"/>
+          <a:latin typeface="msg CI Text" panose="020B0503030403020204" pitchFamily="34" charset="0"/>
           <a:ea typeface="+mn-ea"/>
           <a:cs typeface="+mn-cs"/>
         </a:defRPr>
@@ -2934,7 +2964,7 @@
           <a:solidFill>
             <a:schemeClr val="tx1"/>
           </a:solidFill>
-          <a:latin typeface="Arial" panose="020B0503030403020204" pitchFamily="34" charset="0"/>
+          <a:latin typeface="msg CI Text" panose="020B0503030403020204" pitchFamily="34" charset="0"/>
           <a:ea typeface="+mn-ea"/>
           <a:cs typeface="+mn-cs"/>
         </a:defRPr>
@@ -3168,7 +3198,7 @@
           <a:p>
             <a:pPr algn="ctr"/>
             <a:endParaRPr lang="en-US" dirty="0">
-              <a:latin typeface="Arial" panose="020B0503030403020204" pitchFamily="34" charset="0"/>
+              <a:latin typeface="msg CI Text" panose="020B0503030403020204" pitchFamily="34" charset="0"/>
             </a:endParaRPr>
           </a:p>
         </p:txBody>
@@ -3224,7 +3254,7 @@
           <a:p>
             <a:pPr algn="ctr"/>
             <a:endParaRPr lang="en-US" dirty="0">
-              <a:latin typeface="Arial" panose="020B0503030403020204" pitchFamily="34" charset="0"/>
+              <a:latin typeface="msg CI Text" panose="020B0503030403020204" pitchFamily="34" charset="0"/>
             </a:endParaRPr>
           </a:p>
         </p:txBody>
@@ -3853,53 +3883,53 @@
             </a:pPr>
             <a:r>
               <a:rPr lang="en-US" sz="1700" dirty="0">
-                <a:latin typeface="Arial" panose="020B0503030403020204" pitchFamily="34" charset="0"/>
+                <a:latin typeface="msg CI Text" panose="020B0503030403020204" pitchFamily="34" charset="0"/>
                 <a:ea typeface="msg Text" panose="020B0503030403020204" pitchFamily="34" charset="0"/>
               </a:rPr>
               <a:t>msg CI Text</a:t>
             </a:r>
             <a:br>
               <a:rPr lang="en-US" sz="1700" dirty="0">
-                <a:latin typeface="Arial" panose="020B0503030403020204" pitchFamily="34" charset="0"/>
+                <a:latin typeface="msg CI Text" panose="020B0503030403020204" pitchFamily="34" charset="0"/>
                 <a:ea typeface="msg Text" panose="020B0503030403020204" pitchFamily="34" charset="0"/>
               </a:rPr>
             </a:br>
             <a:r>
               <a:rPr lang="en-US" sz="1700" dirty="0">
-                <a:latin typeface="Arial" panose="020B0503030403020204" pitchFamily="34" charset="0"/>
+                <a:latin typeface="msg CI Text" panose="020B0503030403020204" pitchFamily="34" charset="0"/>
                 <a:ea typeface="msg Text" panose="020B0503030403020204" pitchFamily="34" charset="0"/>
               </a:rPr>
               <a:t>Normal Regular	   </a:t>
             </a:r>
             <a:r>
               <a:rPr lang="en-US" sz="1700" i="1" dirty="0">
-                <a:latin typeface="Arial" panose="020B0503030403020204" pitchFamily="34" charset="0"/>
+                <a:latin typeface="msg CI Text" panose="020B0503030403020204" pitchFamily="34" charset="0"/>
                 <a:ea typeface="msg Text" panose="020B0503030403020204" pitchFamily="34" charset="0"/>
               </a:rPr>
               <a:t>Normal Italic</a:t>
             </a:r>
             <a:br>
               <a:rPr lang="en-US" sz="1700" dirty="0">
-                <a:latin typeface="Arial" panose="020B0503030403020204" pitchFamily="34" charset="0"/>
+                <a:latin typeface="msg CI Text" panose="020B0503030403020204" pitchFamily="34" charset="0"/>
                 <a:ea typeface="msg Text" panose="020B0503030403020204" pitchFamily="34" charset="0"/>
               </a:rPr>
             </a:br>
             <a:r>
               <a:rPr lang="en-US" sz="1700" b="1" dirty="0">
-                <a:latin typeface="Arial" panose="020B0503030403020204" pitchFamily="34" charset="0"/>
+                <a:latin typeface="msg CI Text" panose="020B0503030403020204" pitchFamily="34" charset="0"/>
                 <a:ea typeface="msg Text" panose="020B0503030403020204" pitchFamily="34" charset="0"/>
               </a:rPr>
               <a:t>Bold Regular	   </a:t>
             </a:r>
             <a:r>
               <a:rPr lang="en-US" sz="1700" b="1" i="1" dirty="0">
-                <a:latin typeface="Arial" panose="020B0503030403020204" pitchFamily="34" charset="0"/>
+                <a:latin typeface="msg CI Text" panose="020B0503030403020204" pitchFamily="34" charset="0"/>
                 <a:ea typeface="msg Text" panose="020B0503030403020204" pitchFamily="34" charset="0"/>
               </a:rPr>
               <a:t>Bold Italic</a:t>
             </a:r>
             <a:endParaRPr lang="en-US" sz="1700" b="1" i="1" dirty="0">
-              <a:latin typeface="Arial" panose="020B0503030403020204" pitchFamily="34" charset="0"/>
+              <a:latin typeface="msg CI Text" panose="020B0503030403020204" pitchFamily="34" charset="0"/>
               <a:ea typeface="msg Code" panose="020B0509030804020204" pitchFamily="49" charset="0"/>
               <a:cs typeface="msg Note" panose="02000500000000000000" pitchFamily="2" charset="0"/>
             </a:endParaRPr>
@@ -4305,7 +4335,7 @@
                     <a:lumMod val="85000"/>
                   </a:schemeClr>
                 </a:solidFill>
-                <a:latin typeface="Arial" panose="020B0503030403020204" pitchFamily="34" charset="0"/>
+                <a:latin typeface="msg CI Text" panose="020B0503030403020204" pitchFamily="34" charset="0"/>
                 <a:ea typeface="msg Text" panose="020B0503030403020204" pitchFamily="34" charset="0"/>
               </a:rPr>
               <a:t>Professional Typography</a:t>
@@ -4315,7 +4345,7 @@
                 <a:solidFill>
                   <a:schemeClr val="bg1"/>
                 </a:solidFill>
-                <a:latin typeface="Arial" panose="020B0503030403020204" pitchFamily="34" charset="0"/>
+                <a:latin typeface="msg CI Text" panose="020B0503030403020204" pitchFamily="34" charset="0"/>
                 <a:ea typeface="msg Text" panose="020B0503030403020204" pitchFamily="34" charset="0"/>
               </a:rPr>
             </a:br>
@@ -4516,7 +4546,7 @@
                     <a:lumOff val="35000"/>
                   </a:schemeClr>
                 </a:solidFill>
-                <a:latin typeface="Arial" panose="020B0503030403020204" pitchFamily="34" charset="0"/>
+                <a:latin typeface="msg CI Text" panose="020B0503030403020204" pitchFamily="34" charset="0"/>
                 <a:ea typeface="msg Text" panose="020B0503030403020204" pitchFamily="34" charset="0"/>
               </a:rPr>
               <a:t>Derived from Adobe Source Sans Pro.</a:t>
@@ -4529,7 +4559,7 @@
                     <a:lumOff val="35000"/>
                   </a:schemeClr>
                 </a:solidFill>
-                <a:latin typeface="Arial" panose="020B0503030403020204" pitchFamily="34" charset="0"/>
+                <a:latin typeface="msg CI Text" panose="020B0503030403020204" pitchFamily="34" charset="0"/>
                 <a:ea typeface="msg Text" panose="020B0503030403020204" pitchFamily="34" charset="0"/>
               </a:rPr>
             </a:br>
@@ -4541,7 +4571,7 @@
                     <a:lumOff val="35000"/>
                   </a:schemeClr>
                 </a:solidFill>
-                <a:latin typeface="Arial" panose="020B0503030403020204" pitchFamily="34" charset="0"/>
+                <a:latin typeface="msg CI Text" panose="020B0503030403020204" pitchFamily="34" charset="0"/>
                 <a:ea typeface="msg Text" panose="020B0503030403020204" pitchFamily="34" charset="0"/>
               </a:rPr>
               <a:t>Belongs to the msg Corporate Identity (CI) set. </a:t>
@@ -4554,7 +4584,7 @@
                     <a:lumOff val="35000"/>
                   </a:schemeClr>
                 </a:solidFill>
-                <a:latin typeface="Arial" panose="020B0503030403020204" pitchFamily="34" charset="0"/>
+                <a:latin typeface="msg CI Text" panose="020B0503030403020204" pitchFamily="34" charset="0"/>
                 <a:ea typeface="msg Text" panose="020B0503030403020204" pitchFamily="34" charset="0"/>
               </a:rPr>
             </a:br>
@@ -4566,7 +4596,7 @@
                     <a:lumOff val="35000"/>
                   </a:schemeClr>
                 </a:solidFill>
-                <a:latin typeface="Arial" panose="020B0503030403020204" pitchFamily="34" charset="0"/>
+                <a:latin typeface="msg CI Text" panose="020B0503030403020204" pitchFamily="34" charset="0"/>
                 <a:ea typeface="msg Text" panose="020B0503030403020204" pitchFamily="34" charset="0"/>
               </a:rPr>
               <a:t>For signal and call-out text.</a:t>
@@ -4579,7 +4609,7 @@
                     <a:lumOff val="35000"/>
                   </a:schemeClr>
                 </a:solidFill>
-                <a:latin typeface="Arial" panose="020B0503030403020204" pitchFamily="34" charset="0"/>
+                <a:latin typeface="msg CI Text" panose="020B0503030403020204" pitchFamily="34" charset="0"/>
                 <a:ea typeface="msg Text" panose="020B0503030403020204" pitchFamily="34" charset="0"/>
               </a:rPr>
             </a:br>
@@ -4591,7 +4621,7 @@
                     <a:lumOff val="35000"/>
                   </a:schemeClr>
                 </a:solidFill>
-                <a:latin typeface="Arial" panose="020B0503030403020204" pitchFamily="34" charset="0"/>
+                <a:latin typeface="msg CI Text" panose="020B0503030403020204" pitchFamily="34" charset="0"/>
                 <a:ea typeface="msg Text" panose="020B0503030403020204" pitchFamily="34" charset="0"/>
               </a:rPr>
               <a:t>(all regular use)</a:t>
@@ -4603,7 +4633,7 @@
                   <a:lumOff val="35000"/>
                 </a:schemeClr>
               </a:solidFill>
-              <a:latin typeface="Arial" panose="020B0503030403020204" pitchFamily="34" charset="0"/>
+              <a:latin typeface="msg CI Text" panose="020B0503030403020204" pitchFamily="34" charset="0"/>
               <a:ea typeface="msg Code" panose="020B0509030804020204" pitchFamily="49" charset="0"/>
             </a:endParaRPr>
           </a:p>
@@ -4785,7 +4815,7 @@
                     <a:lumOff val="35000"/>
                   </a:schemeClr>
                 </a:solidFill>
-                <a:latin typeface="Arial" panose="020B0503030403020204" pitchFamily="34" charset="0"/>
+                <a:latin typeface="msg CI Text" panose="020B0503030403020204" pitchFamily="34" charset="0"/>
                 <a:ea typeface="msg Text" panose="020B0503030403020204" pitchFamily="34" charset="0"/>
               </a:rPr>
               <a:t>Derived from Adobe Source Sans Pro.</a:t>
@@ -4798,7 +4828,7 @@
                     <a:lumOff val="35000"/>
                   </a:schemeClr>
                 </a:solidFill>
-                <a:latin typeface="Arial" panose="020B0503030403020204" pitchFamily="34" charset="0"/>
+                <a:latin typeface="msg CI Text" panose="020B0503030403020204" pitchFamily="34" charset="0"/>
                 <a:ea typeface="msg Text" panose="020B0503030403020204" pitchFamily="34" charset="0"/>
               </a:rPr>
             </a:br>
@@ -4810,7 +4840,7 @@
                     <a:lumOff val="35000"/>
                   </a:schemeClr>
                 </a:solidFill>
-                <a:latin typeface="Arial" panose="020B0503030403020204" pitchFamily="34" charset="0"/>
+                <a:latin typeface="msg CI Text" panose="020B0503030403020204" pitchFamily="34" charset="0"/>
                 <a:ea typeface="msg Text" panose="020B0503030403020204" pitchFamily="34" charset="0"/>
               </a:rPr>
               <a:t>Belongs to the msg Corporate Identity (CI) set.</a:t>
@@ -4828,7 +4858,7 @@
                     <a:lumOff val="35000"/>
                   </a:schemeClr>
                 </a:solidFill>
-                <a:latin typeface="Arial" panose="020B0503030403020204" pitchFamily="34" charset="0"/>
+                <a:latin typeface="msg CI Text" panose="020B0503030403020204" pitchFamily="34" charset="0"/>
                 <a:ea typeface="msg Text" panose="020B0503030403020204" pitchFamily="34" charset="0"/>
               </a:rPr>
               <a:t>For regular body and headline text.</a:t>
@@ -4841,7 +4871,7 @@
                     <a:lumOff val="35000"/>
                   </a:schemeClr>
                 </a:solidFill>
-                <a:latin typeface="Arial" panose="020B0503030403020204" pitchFamily="34" charset="0"/>
+                <a:latin typeface="msg CI Text" panose="020B0503030403020204" pitchFamily="34" charset="0"/>
                 <a:ea typeface="msg Text" panose="020B0503030403020204" pitchFamily="34" charset="0"/>
               </a:rPr>
             </a:br>
@@ -4853,7 +4883,7 @@
                     <a:lumOff val="35000"/>
                   </a:schemeClr>
                 </a:solidFill>
-                <a:latin typeface="Arial" panose="020B0503030403020204" pitchFamily="34" charset="0"/>
+                <a:latin typeface="msg CI Text" panose="020B0503030403020204" pitchFamily="34" charset="0"/>
                 <a:ea typeface="msg Text" panose="020B0503030403020204" pitchFamily="34" charset="0"/>
               </a:rPr>
               <a:t>(all regular use)</a:t>
@@ -4865,7 +4895,7 @@
                   <a:lumOff val="35000"/>
                 </a:schemeClr>
               </a:solidFill>
-              <a:latin typeface="Arial" panose="020B0503030403020204" pitchFamily="34" charset="0"/>
+              <a:latin typeface="msg CI Text" panose="020B0503030403020204" pitchFamily="34" charset="0"/>
               <a:ea typeface="msg Code" panose="020B0509030804020204" pitchFamily="49" charset="0"/>
               <a:cs typeface="msg Note" panose="02000500000000000000" pitchFamily="2" charset="0"/>
             </a:endParaRPr>
@@ -5048,7 +5078,7 @@
                     <a:lumOff val="35000"/>
                   </a:schemeClr>
                 </a:solidFill>
-                <a:latin typeface="Arial" panose="020B0503030403020204" pitchFamily="34" charset="0"/>
+                <a:latin typeface="msg CI Text" panose="020B0503030403020204" pitchFamily="34" charset="0"/>
                 <a:ea typeface="msg Text" panose="020B0503030403020204" pitchFamily="34" charset="0"/>
               </a:rPr>
               <a:t>Derived from Adobe Source Code Pro.</a:t>
@@ -5061,7 +5091,7 @@
                     <a:lumOff val="35000"/>
                   </a:schemeClr>
                 </a:solidFill>
-                <a:latin typeface="Arial" panose="020B0503030403020204" pitchFamily="34" charset="0"/>
+                <a:latin typeface="msg CI Text" panose="020B0503030403020204" pitchFamily="34" charset="0"/>
                 <a:ea typeface="msg Text" panose="020B0503030403020204" pitchFamily="34" charset="0"/>
               </a:rPr>
             </a:br>
@@ -5073,7 +5103,7 @@
                     <a:lumOff val="35000"/>
                   </a:schemeClr>
                 </a:solidFill>
-                <a:latin typeface="Arial" panose="020B0503030403020204" pitchFamily="34" charset="0"/>
+                <a:latin typeface="msg CI Text" panose="020B0503030403020204" pitchFamily="34" charset="0"/>
                 <a:ea typeface="msg Text" panose="020B0503030403020204" pitchFamily="34" charset="0"/>
               </a:rPr>
               <a:t>Belongs to the msg Corporate Specialty (CS) set.</a:t>
@@ -5086,7 +5116,7 @@
                     <a:lumOff val="35000"/>
                   </a:schemeClr>
                 </a:solidFill>
-                <a:latin typeface="Arial" panose="020B0503030403020204" pitchFamily="34" charset="0"/>
+                <a:latin typeface="msg CI Text" panose="020B0503030403020204" pitchFamily="34" charset="0"/>
                 <a:ea typeface="msg Text" panose="020B0503030403020204" pitchFamily="34" charset="0"/>
               </a:rPr>
             </a:br>
@@ -5098,7 +5128,7 @@
                     <a:lumOff val="35000"/>
                   </a:schemeClr>
                 </a:solidFill>
-                <a:latin typeface="Arial" panose="020B0503030403020204" pitchFamily="34" charset="0"/>
+                <a:latin typeface="msg CI Text" panose="020B0503030403020204" pitchFamily="34" charset="0"/>
                 <a:ea typeface="msg Text" panose="020B0503030403020204" pitchFamily="34" charset="0"/>
               </a:rPr>
               <a:t>For mono-spaced and source-code text </a:t>
@@ -5111,7 +5141,7 @@
                     <a:lumOff val="35000"/>
                   </a:schemeClr>
                 </a:solidFill>
-                <a:latin typeface="Arial" panose="020B0503030403020204" pitchFamily="34" charset="0"/>
+                <a:latin typeface="msg CI Text" panose="020B0503030403020204" pitchFamily="34" charset="0"/>
                 <a:ea typeface="msg Text" panose="020B0503030403020204" pitchFamily="34" charset="0"/>
               </a:rPr>
               <a:t>only</a:t>
@@ -5124,7 +5154,7 @@
                     <a:lumOff val="35000"/>
                   </a:schemeClr>
                 </a:solidFill>
-                <a:latin typeface="Arial" panose="020B0503030403020204" pitchFamily="34" charset="0"/>
+                <a:latin typeface="msg CI Text" panose="020B0503030403020204" pitchFamily="34" charset="0"/>
                 <a:ea typeface="msg Text" panose="020B0503030403020204" pitchFamily="34" charset="0"/>
               </a:rPr>
               <a:t>.</a:t>
@@ -5137,7 +5167,7 @@
                     <a:lumOff val="35000"/>
                   </a:schemeClr>
                 </a:solidFill>
-                <a:latin typeface="Arial" panose="020B0503030403020204" pitchFamily="34" charset="0"/>
+                <a:latin typeface="msg CI Text" panose="020B0503030403020204" pitchFamily="34" charset="0"/>
                 <a:ea typeface="msg Text" panose="020B0503030403020204" pitchFamily="34" charset="0"/>
               </a:rPr>
             </a:br>
@@ -5149,7 +5179,7 @@
                     <a:lumOff val="35000"/>
                   </a:schemeClr>
                 </a:solidFill>
-                <a:latin typeface="Arial" panose="020B0503030403020204" pitchFamily="34" charset="0"/>
+                <a:latin typeface="msg CI Text" panose="020B0503030403020204" pitchFamily="34" charset="0"/>
                 <a:ea typeface="msg Text" panose="020B0503030403020204" pitchFamily="34" charset="0"/>
               </a:rPr>
               <a:t>(exceptional and very spare use </a:t>
@@ -5162,7 +5192,7 @@
                     <a:lumOff val="35000"/>
                   </a:schemeClr>
                 </a:solidFill>
-                <a:latin typeface="Arial" panose="020B0503030403020204" pitchFamily="34" charset="0"/>
+                <a:latin typeface="msg CI Text" panose="020B0503030403020204" pitchFamily="34" charset="0"/>
                 <a:ea typeface="msg Text" panose="020B0503030403020204" pitchFamily="34" charset="0"/>
               </a:rPr>
               <a:t>only</a:t>
@@ -5175,7 +5205,7 @@
                     <a:lumOff val="35000"/>
                   </a:schemeClr>
                 </a:solidFill>
-                <a:latin typeface="Arial" panose="020B0503030403020204" pitchFamily="34" charset="0"/>
+                <a:latin typeface="msg CI Text" panose="020B0503030403020204" pitchFamily="34" charset="0"/>
                 <a:ea typeface="msg Text" panose="020B0503030403020204" pitchFamily="34" charset="0"/>
               </a:rPr>
               <a:t>)</a:t>
@@ -5187,7 +5217,7 @@
                   <a:lumOff val="35000"/>
                 </a:schemeClr>
               </a:solidFill>
-              <a:latin typeface="Arial" panose="020B0503030403020204" pitchFamily="34" charset="0"/>
+              <a:latin typeface="msg CI Text" panose="020B0503030403020204" pitchFamily="34" charset="0"/>
               <a:ea typeface="msg Code" panose="020B0509030804020204" pitchFamily="49" charset="0"/>
               <a:cs typeface="msg Note" panose="02000500000000000000" pitchFamily="2" charset="0"/>
             </a:endParaRPr>
@@ -5370,7 +5400,7 @@
                     <a:lumOff val="35000"/>
                   </a:schemeClr>
                 </a:solidFill>
-                <a:latin typeface="Arial" panose="020B0503030403020204" pitchFamily="34" charset="0"/>
+                <a:latin typeface="msg CI Text" panose="020B0503030403020204" pitchFamily="34" charset="0"/>
                 <a:ea typeface="msg Text" panose="020B0503030403020204" pitchFamily="34" charset="0"/>
               </a:rPr>
               <a:t>Derived from ITF Kalam.</a:t>
@@ -5383,7 +5413,7 @@
                     <a:lumOff val="35000"/>
                   </a:schemeClr>
                 </a:solidFill>
-                <a:latin typeface="Arial" panose="020B0503030403020204" pitchFamily="34" charset="0"/>
+                <a:latin typeface="msg CI Text" panose="020B0503030403020204" pitchFamily="34" charset="0"/>
                 <a:ea typeface="msg Text" panose="020B0503030403020204" pitchFamily="34" charset="0"/>
               </a:rPr>
             </a:br>
@@ -5395,7 +5425,7 @@
                     <a:lumOff val="35000"/>
                   </a:schemeClr>
                 </a:solidFill>
-                <a:latin typeface="Arial" panose="020B0503030403020204" pitchFamily="34" charset="0"/>
+                <a:latin typeface="msg CI Text" panose="020B0503030403020204" pitchFamily="34" charset="0"/>
                 <a:ea typeface="msg Text" panose="020B0503030403020204" pitchFamily="34" charset="0"/>
               </a:rPr>
               <a:t>Belongs to the msg Corporate Specialty (CS) set.</a:t>
@@ -5408,7 +5438,7 @@
                     <a:lumOff val="35000"/>
                   </a:schemeClr>
                 </a:solidFill>
-                <a:latin typeface="Arial" panose="020B0503030403020204" pitchFamily="34" charset="0"/>
+                <a:latin typeface="msg CI Text" panose="020B0503030403020204" pitchFamily="34" charset="0"/>
                 <a:ea typeface="msg Text" panose="020B0503030403020204" pitchFamily="34" charset="0"/>
               </a:rPr>
             </a:br>
@@ -5420,7 +5450,7 @@
                     <a:lumOff val="35000"/>
                   </a:schemeClr>
                 </a:solidFill>
-                <a:latin typeface="Arial" panose="020B0503030403020204" pitchFamily="34" charset="0"/>
+                <a:latin typeface="msg CI Text" panose="020B0503030403020204" pitchFamily="34" charset="0"/>
                 <a:ea typeface="msg Text" panose="020B0503030403020204" pitchFamily="34" charset="0"/>
               </a:rPr>
               <a:t>For scripted and annotated text </a:t>
@@ -5433,7 +5463,7 @@
                     <a:lumOff val="35000"/>
                   </a:schemeClr>
                 </a:solidFill>
-                <a:latin typeface="Arial" panose="020B0503030403020204" pitchFamily="34" charset="0"/>
+                <a:latin typeface="msg CI Text" panose="020B0503030403020204" pitchFamily="34" charset="0"/>
                 <a:ea typeface="msg Text" panose="020B0503030403020204" pitchFamily="34" charset="0"/>
               </a:rPr>
               <a:t>only</a:t>
@@ -5446,7 +5476,7 @@
                     <a:lumOff val="35000"/>
                   </a:schemeClr>
                 </a:solidFill>
-                <a:latin typeface="Arial" panose="020B0503030403020204" pitchFamily="34" charset="0"/>
+                <a:latin typeface="msg CI Text" panose="020B0503030403020204" pitchFamily="34" charset="0"/>
                 <a:ea typeface="msg Text" panose="020B0503030403020204" pitchFamily="34" charset="0"/>
               </a:rPr>
               <a:t>.</a:t>
@@ -5459,7 +5489,7 @@
                     <a:lumOff val="35000"/>
                   </a:schemeClr>
                 </a:solidFill>
-                <a:latin typeface="Arial" panose="020B0503030403020204" pitchFamily="34" charset="0"/>
+                <a:latin typeface="msg CI Text" panose="020B0503030403020204" pitchFamily="34" charset="0"/>
                 <a:ea typeface="msg Text" panose="020B0503030403020204" pitchFamily="34" charset="0"/>
               </a:rPr>
             </a:br>
@@ -5471,7 +5501,7 @@
                     <a:lumOff val="35000"/>
                   </a:schemeClr>
                 </a:solidFill>
-                <a:latin typeface="Arial" panose="020B0503030403020204" pitchFamily="34" charset="0"/>
+                <a:latin typeface="msg CI Text" panose="020B0503030403020204" pitchFamily="34" charset="0"/>
                 <a:ea typeface="msg Text" panose="020B0503030403020204" pitchFamily="34" charset="0"/>
               </a:rPr>
               <a:t>(exceptional and very spare use </a:t>
@@ -5484,7 +5514,7 @@
                     <a:lumOff val="35000"/>
                   </a:schemeClr>
                 </a:solidFill>
-                <a:latin typeface="Arial" panose="020B0503030403020204" pitchFamily="34" charset="0"/>
+                <a:latin typeface="msg CI Text" panose="020B0503030403020204" pitchFamily="34" charset="0"/>
                 <a:ea typeface="msg Text" panose="020B0503030403020204" pitchFamily="34" charset="0"/>
               </a:rPr>
               <a:t>only</a:t>
@@ -5497,7 +5527,7 @@
                     <a:lumOff val="35000"/>
                   </a:schemeClr>
                 </a:solidFill>
-                <a:latin typeface="Arial" panose="020B0503030403020204" pitchFamily="34" charset="0"/>
+                <a:latin typeface="msg CI Text" panose="020B0503030403020204" pitchFamily="34" charset="0"/>
                 <a:ea typeface="msg Text" panose="020B0503030403020204" pitchFamily="34" charset="0"/>
               </a:rPr>
               <a:t>)</a:t>
@@ -5509,7 +5539,7 @@
                   <a:lumOff val="35000"/>
                 </a:schemeClr>
               </a:solidFill>
-              <a:latin typeface="Arial" panose="020B0503030403020204" pitchFamily="34" charset="0"/>
+              <a:latin typeface="msg CI Text" panose="020B0503030403020204" pitchFamily="34" charset="0"/>
               <a:ea typeface="msg Code" panose="020B0509030804020204" pitchFamily="49" charset="0"/>
               <a:cs typeface="msg Note" panose="02000500000000000000" pitchFamily="2" charset="0"/>
             </a:endParaRPr>
